--- a/PPT/Angular16-REST.pptx
+++ b/PPT/Angular16-REST.pptx
@@ -4265,11 +4265,7 @@
             <a:pPr eaLnBrk="1" hangingPunct="1"/>
             <a:r>
               <a:rPr lang="fr-FR" altLang="fr-FR" smtClean="0"/>
-              <a:t>Chapitre </a:t>
-            </a:r>
-            <a:r>
-              <a:rPr lang="fr-FR" altLang="fr-FR" smtClean="0"/>
-              <a:t>16</a:t>
+              <a:t>Chapitre 16</a:t>
             </a:r>
             <a:endParaRPr lang="fr-FR" altLang="fr-FR" dirty="0" smtClean="0"/>
           </a:p>
@@ -4608,15 +4604,29 @@
             <a:pPr lvl="1"/>
             <a:r>
               <a:rPr lang="fr-FR" dirty="0" smtClean="0"/>
-              <a:t>POST : update</a:t>
-            </a:r>
+              <a:t>POST : </a:t>
+            </a:r>
+            <a:r>
+              <a:rPr lang="fr-FR" dirty="0" smtClean="0"/>
+              <a:t>insert</a:t>
+            </a:r>
+            <a:endParaRPr lang="fr-FR" dirty="0" smtClean="0"/>
           </a:p>
           <a:p>
             <a:pPr lvl="1"/>
             <a:r>
               <a:rPr lang="fr-FR" dirty="0" smtClean="0"/>
-              <a:t>PUT : insert</a:t>
-            </a:r>
+              <a:t>PUT </a:t>
+            </a:r>
+            <a:r>
+              <a:rPr lang="fr-FR" smtClean="0"/>
+              <a:t>: </a:t>
+            </a:r>
+            <a:r>
+              <a:rPr lang="fr-FR" smtClean="0"/>
+              <a:t>update</a:t>
+            </a:r>
+            <a:endParaRPr lang="fr-FR" dirty="0" smtClean="0"/>
           </a:p>
           <a:p>
             <a:pPr lvl="1"/>
@@ -5347,7 +5357,7 @@
           <a:graphicData uri="http://schemas.openxmlformats.org/presentationml/2006/ole">
             <mc:AlternateContent xmlns:mc="http://schemas.openxmlformats.org/markup-compatibility/2006">
               <mc:Choice xmlns:v="urn:schemas-microsoft-com:vml" Requires="v">
-                <p:oleObj spid="_x0000_s1044" name="Visio" r:id="rId5" imgW="3391939" imgH="2771706" progId="">
+                <p:oleObj spid="_x0000_s1046" name="Visio" r:id="rId5" imgW="3391939" imgH="2771706" progId="">
                   <p:embed/>
                 </p:oleObj>
               </mc:Choice>
@@ -5430,7 +5440,7 @@
           <a:graphicData uri="http://schemas.openxmlformats.org/presentationml/2006/ole">
             <mc:AlternateContent xmlns:mc="http://schemas.openxmlformats.org/markup-compatibility/2006">
               <mc:Choice xmlns:v="urn:schemas-microsoft-com:vml" Requires="v">
-                <p:oleObj spid="_x0000_s1045" name="Visio" r:id="rId7" imgW="4644189" imgH="2187953" progId="">
+                <p:oleObj spid="_x0000_s1047" name="Visio" r:id="rId7" imgW="4644189" imgH="2187953" progId="">
                   <p:embed/>
                 </p:oleObj>
               </mc:Choice>

--- a/PPT/Angular16-REST.pptx
+++ b/PPT/Angular16-REST.pptx
@@ -4604,13 +4604,8 @@
             <a:pPr lvl="1"/>
             <a:r>
               <a:rPr lang="fr-FR" dirty="0" smtClean="0"/>
-              <a:t>POST : </a:t>
-            </a:r>
-            <a:r>
-              <a:rPr lang="fr-FR" dirty="0" smtClean="0"/>
-              <a:t>insert</a:t>
-            </a:r>
-            <a:endParaRPr lang="fr-FR" dirty="0" smtClean="0"/>
+              <a:t>POST : insert</a:t>
+            </a:r>
           </a:p>
           <a:p>
             <a:pPr lvl="1"/>
@@ -4620,11 +4615,7 @@
             </a:r>
             <a:r>
               <a:rPr lang="fr-FR" smtClean="0"/>
-              <a:t>: </a:t>
-            </a:r>
-            <a:r>
-              <a:rPr lang="fr-FR" smtClean="0"/>
-              <a:t>update</a:t>
+              <a:t>: update</a:t>
             </a:r>
             <a:endParaRPr lang="fr-FR" dirty="0" smtClean="0"/>
           </a:p>
@@ -5357,7 +5348,7 @@
           <a:graphicData uri="http://schemas.openxmlformats.org/presentationml/2006/ole">
             <mc:AlternateContent xmlns:mc="http://schemas.openxmlformats.org/markup-compatibility/2006">
               <mc:Choice xmlns:v="urn:schemas-microsoft-com:vml" Requires="v">
-                <p:oleObj spid="_x0000_s1046" name="Visio" r:id="rId5" imgW="3391939" imgH="2771706" progId="">
+                <p:oleObj spid="_x0000_s1048" name="Visio" r:id="rId5" imgW="3391939" imgH="2771706" progId="">
                   <p:embed/>
                 </p:oleObj>
               </mc:Choice>
@@ -5440,7 +5431,7 @@
           <a:graphicData uri="http://schemas.openxmlformats.org/presentationml/2006/ole">
             <mc:AlternateContent xmlns:mc="http://schemas.openxmlformats.org/markup-compatibility/2006">
               <mc:Choice xmlns:v="urn:schemas-microsoft-com:vml" Requires="v">
-                <p:oleObj spid="_x0000_s1047" name="Visio" r:id="rId7" imgW="4644189" imgH="2187953" progId="">
+                <p:oleObj spid="_x0000_s1049" name="Visio" r:id="rId7" imgW="4644189" imgH="2187953" progId="">
                   <p:embed/>
                 </p:oleObj>
               </mc:Choice>
@@ -6282,12 +6273,8 @@
               <a:t>angular</a:t>
             </a:r>
             <a:r>
-              <a:rPr lang="fr-FR" dirty="0"/>
-              <a:t>-in-memory-web-api --</a:t>
-            </a:r>
-            <a:r>
-              <a:rPr lang="fr-FR" dirty="0" err="1" smtClean="0"/>
-              <a:t>save</a:t>
+              <a:rPr lang="fr-FR"/>
+              <a:t>-in-memory-web-api </a:t>
             </a:r>
             <a:endParaRPr lang="fr-FR" dirty="0" smtClean="0"/>
           </a:p>
